--- a/k03/Go言語の関数と構造体.pptx
+++ b/k03/Go言語の関数と構造体.pptx
@@ -225,7 +225,7 @@
           <a:p>
             <a:fld id="{C77FDD85-E6B7-45D6-B72C-05CFB97907A8}" type="datetimeFigureOut">
               <a:rPr kumimoji="1" lang="ja-JP" altLang="en-US" smtClean="0"/>
-              <a:t>2024/10/16</a:t>
+              <a:t>2024/10/23</a:t>
             </a:fld>
             <a:endParaRPr kumimoji="1" lang="ja-JP" altLang="en-US" dirty="0"/>
           </a:p>
@@ -390,7 +390,7 @@
           <a:p>
             <a:fld id="{B99715FE-D0FD-4D8A-A7D3-7328F87F41E8}" type="datetimeFigureOut">
               <a:rPr kumimoji="1" lang="ja-JP" altLang="en-US" smtClean="0"/>
-              <a:t>2024/10/16</a:t>
+              <a:t>2024/10/23</a:t>
             </a:fld>
             <a:endParaRPr kumimoji="1" lang="ja-JP" altLang="en-US" dirty="0"/>
           </a:p>
@@ -9532,7 +9532,7 @@
           <a:p>
             <a:fld id="{B1EA3301-F094-415A-980E-D516D23FFAD8}" type="datetime1">
               <a:rPr kumimoji="1" lang="ja-JP" altLang="en-US" smtClean="0"/>
-              <a:t>2024/10/16</a:t>
+              <a:t>2024/10/23</a:t>
             </a:fld>
             <a:endParaRPr kumimoji="1" lang="ja-JP" altLang="en-US" dirty="0"/>
           </a:p>
@@ -9817,7 +9817,7 @@
           <a:p>
             <a:fld id="{8F196383-0E68-4099-AAC1-E34C763314E2}" type="datetime1">
               <a:rPr kumimoji="1" lang="ja-JP" altLang="en-US" smtClean="0"/>
-              <a:t>2024/10/16</a:t>
+              <a:t>2024/10/23</a:t>
             </a:fld>
             <a:endParaRPr kumimoji="1" lang="ja-JP" altLang="en-US" dirty="0"/>
           </a:p>
@@ -10029,7 +10029,7 @@
           <a:p>
             <a:fld id="{D975F758-FF47-4C36-B7FA-4E47B3ED2DBA}" type="datetime1">
               <a:rPr kumimoji="1" lang="ja-JP" altLang="en-US" smtClean="0"/>
-              <a:t>2024/10/16</a:t>
+              <a:t>2024/10/23</a:t>
             </a:fld>
             <a:endParaRPr kumimoji="1" lang="ja-JP" altLang="en-US" dirty="0"/>
           </a:p>
@@ -10289,7 +10289,7 @@
           <a:p>
             <a:fld id="{5FA56F70-C8E2-4F05-8C7D-33C1BF5D28EF}" type="datetime1">
               <a:rPr kumimoji="1" lang="ja-JP" altLang="en-US" smtClean="0"/>
-              <a:t>2024/10/16</a:t>
+              <a:t>2024/10/23</a:t>
             </a:fld>
             <a:endParaRPr kumimoji="1" lang="ja-JP" altLang="en-US" dirty="0"/>
           </a:p>
@@ -10563,7 +10563,7 @@
           <a:p>
             <a:fld id="{A1F1BECF-5D36-40CC-8D6E-533150281EC8}" type="datetime1">
               <a:rPr kumimoji="1" lang="ja-JP" altLang="en-US" smtClean="0"/>
-              <a:t>2024/10/16</a:t>
+              <a:t>2024/10/23</a:t>
             </a:fld>
             <a:endParaRPr kumimoji="1" lang="ja-JP" altLang="en-US" dirty="0"/>
           </a:p>
@@ -10909,7 +10909,7 @@
           <a:p>
             <a:fld id="{A0ED41E0-8C1F-4B9F-8706-BDB6482618CC}" type="datetime1">
               <a:rPr kumimoji="1" lang="ja-JP" altLang="en-US" smtClean="0"/>
-              <a:t>2024/10/16</a:t>
+              <a:t>2024/10/23</a:t>
             </a:fld>
             <a:endParaRPr kumimoji="1" lang="ja-JP" altLang="en-US" dirty="0"/>
           </a:p>
@@ -11378,7 +11378,7 @@
           <a:p>
             <a:fld id="{E21FEF6C-15B5-45CE-B5FE-A998E5B3E5EF}" type="datetime1">
               <a:rPr kumimoji="1" lang="ja-JP" altLang="en-US" smtClean="0"/>
-              <a:t>2024/10/16</a:t>
+              <a:t>2024/10/23</a:t>
             </a:fld>
             <a:endParaRPr kumimoji="1" lang="ja-JP" altLang="en-US" dirty="0"/>
           </a:p>
@@ -11496,7 +11496,7 @@
           <a:p>
             <a:fld id="{97A841DB-454F-4FD4-998F-4CBA671ACD4A}" type="datetime1">
               <a:rPr kumimoji="1" lang="ja-JP" altLang="en-US" smtClean="0"/>
-              <a:t>2024/10/16</a:t>
+              <a:t>2024/10/23</a:t>
             </a:fld>
             <a:endParaRPr kumimoji="1" lang="ja-JP" altLang="en-US" dirty="0"/>
           </a:p>
@@ -11591,7 +11591,7 @@
           <a:p>
             <a:fld id="{F7993E8B-DD8A-4DB6-AFD8-FFDA697D72C4}" type="datetime1">
               <a:rPr kumimoji="1" lang="ja-JP" altLang="en-US" smtClean="0"/>
-              <a:t>2024/10/16</a:t>
+              <a:t>2024/10/23</a:t>
             </a:fld>
             <a:endParaRPr kumimoji="1" lang="ja-JP" altLang="en-US" dirty="0"/>
           </a:p>
@@ -11913,7 +11913,7 @@
           <a:p>
             <a:fld id="{02C88E24-97A5-4F69-B656-38C9179E89A5}" type="datetime1">
               <a:rPr kumimoji="1" lang="ja-JP" altLang="en-US" smtClean="0"/>
-              <a:t>2024/10/16</a:t>
+              <a:t>2024/10/23</a:t>
             </a:fld>
             <a:endParaRPr kumimoji="1" lang="ja-JP" altLang="en-US" dirty="0"/>
           </a:p>
@@ -12193,7 +12193,7 @@
           <a:p>
             <a:fld id="{24718ABE-3417-48C5-8F51-9E87CEC2961B}" type="datetime1">
               <a:rPr kumimoji="1" lang="ja-JP" altLang="en-US" smtClean="0"/>
-              <a:t>2024/10/16</a:t>
+              <a:t>2024/10/23</a:t>
             </a:fld>
             <a:endParaRPr kumimoji="1" lang="ja-JP" altLang="en-US" dirty="0"/>
           </a:p>
@@ -12475,7 +12475,7 @@
           <a:p>
             <a:fld id="{BA861595-A871-47EF-8470-15F364FE66B4}" type="datetime1">
               <a:rPr kumimoji="1" lang="ja-JP" altLang="en-US" smtClean="0"/>
-              <a:t>2024/10/16</a:t>
+              <a:t>2024/10/23</a:t>
             </a:fld>
             <a:endParaRPr kumimoji="1" lang="ja-JP" altLang="en-US" dirty="0"/>
           </a:p>
@@ -13052,11 +13052,7 @@
             </a:r>
             <a:r>
               <a:rPr lang="ja-JP" altLang="en-US" smtClean="0"/>
-              <a:t>言語</a:t>
-            </a:r>
-            <a:r>
-              <a:rPr lang="ja-JP" altLang="en-US" smtClean="0"/>
-              <a:t>の関数と構造体</a:t>
+              <a:t>言語の関数と構造体</a:t>
             </a:r>
             <a:endParaRPr lang="en-US" altLang="ja-JP" smtClean="0"/>
           </a:p>
@@ -19304,7 +19300,7 @@
           <a:p>
             <a:r>
               <a:rPr lang="ja-JP" altLang="en-US" smtClean="0"/>
-              <a:t>第一級関数</a:t>
+              <a:t>第一級オブジェクト</a:t>
             </a:r>
             <a:endParaRPr kumimoji="1" lang="ja-JP" altLang="en-US"/>
           </a:p>
